--- a/01需求分析/docs/specs/VAD01项目工作报告.pptx
+++ b/01需求分析/docs/specs/VAD01项目工作报告.pptx
@@ -212,7 +212,7 @@
           <a:p>
             <a:fld id="{2353A075-29DF-4CAE-8BA7-CDA0ED456C88}" type="datetimeFigureOut">
               <a:rPr lang="zh-CN" altLang="en-US" smtClean="0"/>
-              <a:t>2018/2/26</a:t>
+              <a:t>2018/3/6</a:t>
             </a:fld>
             <a:endParaRPr lang="zh-CN" altLang="en-US"/>
           </a:p>
@@ -377,7 +377,7 @@
           <a:p>
             <a:fld id="{6A2B73EA-EE91-4E33-A9C1-8BF5DD7139A2}" type="datetimeFigureOut">
               <a:rPr lang="zh-CN" altLang="en-US" smtClean="0"/>
-              <a:t>2018/2/26</a:t>
+              <a:t>2018/3/6</a:t>
             </a:fld>
             <a:endParaRPr lang="zh-CN" altLang="en-US"/>
           </a:p>
@@ -1325,7 +1325,7 @@
           <a:p>
             <a:fld id="{530820CF-B880-4189-942D-D702A7CBA730}" type="datetimeFigureOut">
               <a:rPr lang="zh-CN" altLang="en-US" smtClean="0"/>
-              <a:t>2018/2/26</a:t>
+              <a:t>2018/3/6</a:t>
             </a:fld>
             <a:endParaRPr lang="zh-CN" altLang="en-US"/>
           </a:p>
@@ -1605,7 +1605,7 @@
           <a:p>
             <a:fld id="{530820CF-B880-4189-942D-D702A7CBA730}" type="datetimeFigureOut">
               <a:rPr lang="zh-CN" altLang="en-US" smtClean="0"/>
-              <a:t>2018/2/26</a:t>
+              <a:t>2018/3/6</a:t>
             </a:fld>
             <a:endParaRPr lang="zh-CN" altLang="en-US"/>
           </a:p>
@@ -1861,7 +1861,7 @@
           <a:p>
             <a:fld id="{530820CF-B880-4189-942D-D702A7CBA730}" type="datetimeFigureOut">
               <a:rPr lang="zh-CN" altLang="en-US" smtClean="0"/>
-              <a:t>2018/2/26</a:t>
+              <a:t>2018/3/6</a:t>
             </a:fld>
             <a:endParaRPr lang="zh-CN" altLang="en-US"/>
           </a:p>
@@ -2034,7 +2034,7 @@
           <a:p>
             <a:fld id="{530820CF-B880-4189-942D-D702A7CBA730}" type="datetimeFigureOut">
               <a:rPr lang="zh-CN" altLang="en-US" smtClean="0"/>
-              <a:t>2018/2/26</a:t>
+              <a:t>2018/3/6</a:t>
             </a:fld>
             <a:endParaRPr lang="zh-CN" altLang="en-US"/>
           </a:p>
@@ -2217,7 +2217,7 @@
           <a:p>
             <a:fld id="{530820CF-B880-4189-942D-D702A7CBA730}" type="datetimeFigureOut">
               <a:rPr lang="zh-CN" altLang="en-US" smtClean="0"/>
-              <a:t>2018/2/26</a:t>
+              <a:t>2018/3/6</a:t>
             </a:fld>
             <a:endParaRPr lang="zh-CN" altLang="en-US"/>
           </a:p>
@@ -2467,7 +2467,7 @@
                 </a:solidFill>
               </a:rPr>
               <a:pPr/>
-              <a:t>2/26/2018</a:t>
+              <a:t>3/6/2018</a:t>
             </a:fld>
             <a:endParaRPr lang="en-US">
               <a:solidFill>
@@ -2667,7 +2667,7 @@
                 </a:solidFill>
               </a:rPr>
               <a:pPr/>
-              <a:t>2/26/2018</a:t>
+              <a:t>3/6/2018</a:t>
             </a:fld>
             <a:endParaRPr lang="en-US">
               <a:solidFill>
@@ -2944,7 +2944,7 @@
                 </a:solidFill>
               </a:rPr>
               <a:pPr/>
-              <a:t>2/26/2018</a:t>
+              <a:t>3/6/2018</a:t>
             </a:fld>
             <a:endParaRPr lang="en-US">
               <a:solidFill>
@@ -3261,7 +3261,7 @@
                 </a:solidFill>
               </a:rPr>
               <a:pPr/>
-              <a:t>2/26/2018</a:t>
+              <a:t>3/6/2018</a:t>
             </a:fld>
             <a:endParaRPr lang="en-US">
               <a:solidFill>
@@ -3712,7 +3712,7 @@
                 </a:solidFill>
               </a:rPr>
               <a:pPr/>
-              <a:t>2/26/2018</a:t>
+              <a:t>3/6/2018</a:t>
             </a:fld>
             <a:endParaRPr lang="en-US">
               <a:solidFill>
@@ -3861,7 +3861,7 @@
                 </a:solidFill>
               </a:rPr>
               <a:pPr/>
-              <a:t>2/26/2018</a:t>
+              <a:t>3/6/2018</a:t>
             </a:fld>
             <a:endParaRPr lang="en-US">
               <a:solidFill>
@@ -4599,7 +4599,7 @@
                 </a:solidFill>
               </a:rPr>
               <a:pPr/>
-              <a:t>2/26/2018</a:t>
+              <a:t>3/6/2018</a:t>
             </a:fld>
             <a:endParaRPr lang="en-US">
               <a:solidFill>
@@ -4906,7 +4906,7 @@
                 </a:solidFill>
               </a:rPr>
               <a:pPr/>
-              <a:t>2/26/2018</a:t>
+              <a:t>3/6/2018</a:t>
             </a:fld>
             <a:endParaRPr lang="en-US">
               <a:solidFill>
@@ -5190,7 +5190,7 @@
                 </a:solidFill>
               </a:rPr>
               <a:pPr/>
-              <a:t>2/26/2018</a:t>
+              <a:t>3/6/2018</a:t>
             </a:fld>
             <a:endParaRPr lang="en-US">
               <a:solidFill>
@@ -5390,7 +5390,7 @@
                 </a:solidFill>
               </a:rPr>
               <a:pPr/>
-              <a:t>2/26/2018</a:t>
+              <a:t>3/6/2018</a:t>
             </a:fld>
             <a:endParaRPr lang="en-US">
               <a:solidFill>
@@ -5600,7 +5600,7 @@
                 </a:solidFill>
               </a:rPr>
               <a:pPr/>
-              <a:t>2/26/2018</a:t>
+              <a:t>3/6/2018</a:t>
             </a:fld>
             <a:endParaRPr lang="en-US">
               <a:solidFill>
@@ -6627,7 +6627,7 @@
           <a:p>
             <a:fld id="{530820CF-B880-4189-942D-D702A7CBA730}" type="datetimeFigureOut">
               <a:rPr lang="zh-CN" altLang="en-US" smtClean="0"/>
-              <a:t>2018/2/26</a:t>
+              <a:t>2018/3/6</a:t>
             </a:fld>
             <a:endParaRPr lang="zh-CN" altLang="en-US"/>
           </a:p>
@@ -6918,7 +6918,7 @@
           <a:p>
             <a:fld id="{530820CF-B880-4189-942D-D702A7CBA730}" type="datetimeFigureOut">
               <a:rPr lang="zh-CN" altLang="en-US" smtClean="0"/>
-              <a:t>2018/2/26</a:t>
+              <a:t>2018/3/6</a:t>
             </a:fld>
             <a:endParaRPr lang="zh-CN" altLang="en-US"/>
           </a:p>
@@ -7343,7 +7343,7 @@
           <a:p>
             <a:fld id="{530820CF-B880-4189-942D-D702A7CBA730}" type="datetimeFigureOut">
               <a:rPr lang="zh-CN" altLang="en-US" smtClean="0"/>
-              <a:t>2018/2/26</a:t>
+              <a:t>2018/3/6</a:t>
             </a:fld>
             <a:endParaRPr lang="zh-CN" altLang="en-US"/>
           </a:p>
@@ -7464,7 +7464,7 @@
           <a:p>
             <a:fld id="{530820CF-B880-4189-942D-D702A7CBA730}" type="datetimeFigureOut">
               <a:rPr lang="zh-CN" altLang="en-US" smtClean="0"/>
-              <a:t>2018/2/26</a:t>
+              <a:t>2018/3/6</a:t>
             </a:fld>
             <a:endParaRPr lang="zh-CN" altLang="en-US"/>
           </a:p>
@@ -7562,7 +7562,7 @@
           <a:p>
             <a:fld id="{530820CF-B880-4189-942D-D702A7CBA730}" type="datetimeFigureOut">
               <a:rPr lang="zh-CN" altLang="en-US" smtClean="0"/>
-              <a:t>2018/2/26</a:t>
+              <a:t>2018/3/6</a:t>
             </a:fld>
             <a:endParaRPr lang="zh-CN" altLang="en-US"/>
           </a:p>
@@ -7778,7 +7778,7 @@
           <a:p>
             <a:fld id="{530820CF-B880-4189-942D-D702A7CBA730}" type="datetimeFigureOut">
               <a:rPr lang="zh-CN" altLang="en-US" smtClean="0"/>
-              <a:t>2018/2/26</a:t>
+              <a:t>2018/3/6</a:t>
             </a:fld>
             <a:endParaRPr lang="zh-CN" altLang="en-US"/>
           </a:p>
@@ -8299,7 +8299,7 @@
                 </a:solidFill>
               </a:rPr>
               <a:pPr defTabSz="685783"/>
-              <a:t>2/26/2018</a:t>
+              <a:t>3/6/2018</a:t>
             </a:fld>
             <a:endParaRPr lang="en-US">
               <a:solidFill>
